--- a/ppt 16-9/0181.荣耀归基督.pptx
+++ b/ppt 16-9/0181.荣耀归基督.pptx
@@ -129,7 +129,7 @@
           <p:cNvPr id="2" name="标题 1">
             <a:extLst>
               <a:ext uri="{FF2B5EF4-FFF2-40B4-BE49-F238E27FC236}">
-                <a16:creationId xmlns:a16="http://schemas.microsoft.com/office/drawing/2014/main" id="{50766872-783E-7FAA-99A7-E7620101DB5A}"/>
+                <a16:creationId xmlns:a16="http://schemas.microsoft.com/office/drawing/2014/main" id="{8F2C5B1A-B46C-E485-B60E-DEDDF78FBA11}"/>
               </a:ext>
             </a:extLst>
           </p:cNvPr>
@@ -166,7 +166,7 @@
           <p:cNvPr id="3" name="副标题 2">
             <a:extLst>
               <a:ext uri="{FF2B5EF4-FFF2-40B4-BE49-F238E27FC236}">
-                <a16:creationId xmlns:a16="http://schemas.microsoft.com/office/drawing/2014/main" id="{06DF3DAB-01E2-01E4-0FEB-4EAE20AFB760}"/>
+                <a16:creationId xmlns:a16="http://schemas.microsoft.com/office/drawing/2014/main" id="{DD4FBA33-1331-574A-B5A9-17E4A999E3B6}"/>
               </a:ext>
             </a:extLst>
           </p:cNvPr>
@@ -236,7 +236,7 @@
           <p:cNvPr id="4" name="日期占位符 3">
             <a:extLst>
               <a:ext uri="{FF2B5EF4-FFF2-40B4-BE49-F238E27FC236}">
-                <a16:creationId xmlns:a16="http://schemas.microsoft.com/office/drawing/2014/main" id="{C49AF139-D5F6-7D0B-463C-140C2DF56185}"/>
+                <a16:creationId xmlns:a16="http://schemas.microsoft.com/office/drawing/2014/main" id="{FD0F5499-BCCB-F78A-1FD9-224BE6EF3715}"/>
               </a:ext>
             </a:extLst>
           </p:cNvPr>
@@ -252,7 +252,7 @@
           <a:bodyPr/>
           <a:lstStyle/>
           <a:p>
-            <a:fld id="{BED83CF1-5B95-4759-8777-8181270DE975}" type="datetimeFigureOut">
+            <a:fld id="{D7C07714-2B7B-44F9-85BA-523E17797F00}" type="datetimeFigureOut">
               <a:rPr lang="zh-CN" altLang="en-US" smtClean="0"/>
               <a:t>2024/3/10</a:t>
             </a:fld>
@@ -265,7 +265,7 @@
           <p:cNvPr id="5" name="页脚占位符 4">
             <a:extLst>
               <a:ext uri="{FF2B5EF4-FFF2-40B4-BE49-F238E27FC236}">
-                <a16:creationId xmlns:a16="http://schemas.microsoft.com/office/drawing/2014/main" id="{3F3F3E30-4A79-D072-0F7D-7B05F6435433}"/>
+                <a16:creationId xmlns:a16="http://schemas.microsoft.com/office/drawing/2014/main" id="{7A79E957-5FCF-2C9B-583D-EB15DEDA96F1}"/>
               </a:ext>
             </a:extLst>
           </p:cNvPr>
@@ -290,7 +290,7 @@
           <p:cNvPr id="6" name="灯片编号占位符 5">
             <a:extLst>
               <a:ext uri="{FF2B5EF4-FFF2-40B4-BE49-F238E27FC236}">
-                <a16:creationId xmlns:a16="http://schemas.microsoft.com/office/drawing/2014/main" id="{B9CCAF34-F6C3-AA09-A6D7-9E089652EF48}"/>
+                <a16:creationId xmlns:a16="http://schemas.microsoft.com/office/drawing/2014/main" id="{32420F26-C0A6-BD71-A5AD-2362A33C08DD}"/>
               </a:ext>
             </a:extLst>
           </p:cNvPr>
@@ -306,7 +306,7 @@
           <a:bodyPr/>
           <a:lstStyle/>
           <a:p>
-            <a:fld id="{7735FCA8-3BE2-435A-B0B1-DCFAF3EEBC38}" type="slidenum">
+            <a:fld id="{0823FFD0-1C2B-4BCF-819E-A232B0BD2678}" type="slidenum">
               <a:rPr lang="zh-CN" altLang="en-US" smtClean="0"/>
               <a:t>‹#›</a:t>
             </a:fld>
@@ -317,7 +317,7 @@
     </p:spTree>
     <p:extLst>
       <p:ext uri="{BB962C8B-B14F-4D97-AF65-F5344CB8AC3E}">
-        <p14:creationId xmlns:p14="http://schemas.microsoft.com/office/powerpoint/2010/main" val="2494118407"/>
+        <p14:creationId xmlns:p14="http://schemas.microsoft.com/office/powerpoint/2010/main" val="1584479512"/>
       </p:ext>
     </p:extLst>
   </p:cSld>
@@ -349,7 +349,7 @@
           <p:cNvPr id="2" name="标题 1">
             <a:extLst>
               <a:ext uri="{FF2B5EF4-FFF2-40B4-BE49-F238E27FC236}">
-                <a16:creationId xmlns:a16="http://schemas.microsoft.com/office/drawing/2014/main" id="{1384CFB9-5A8F-6DAA-2C22-232B0FD49640}"/>
+                <a16:creationId xmlns:a16="http://schemas.microsoft.com/office/drawing/2014/main" id="{F2D9F1A7-FDE3-F646-8F61-A6F97C93808B}"/>
               </a:ext>
             </a:extLst>
           </p:cNvPr>
@@ -377,7 +377,7 @@
           <p:cNvPr id="3" name="竖排文字占位符 2">
             <a:extLst>
               <a:ext uri="{FF2B5EF4-FFF2-40B4-BE49-F238E27FC236}">
-                <a16:creationId xmlns:a16="http://schemas.microsoft.com/office/drawing/2014/main" id="{342AD12D-8356-03EE-DD3C-22769F9E1E9D}"/>
+                <a16:creationId xmlns:a16="http://schemas.microsoft.com/office/drawing/2014/main" id="{29EBA2CD-1E36-4158-3D1D-BD50B603EC32}"/>
               </a:ext>
             </a:extLst>
           </p:cNvPr>
@@ -434,7 +434,7 @@
           <p:cNvPr id="4" name="日期占位符 3">
             <a:extLst>
               <a:ext uri="{FF2B5EF4-FFF2-40B4-BE49-F238E27FC236}">
-                <a16:creationId xmlns:a16="http://schemas.microsoft.com/office/drawing/2014/main" id="{BEB4337B-F7D4-31E5-AEF8-7E186A24A296}"/>
+                <a16:creationId xmlns:a16="http://schemas.microsoft.com/office/drawing/2014/main" id="{4FE2ACC8-CD01-65DB-A554-06DED8D3FE45}"/>
               </a:ext>
             </a:extLst>
           </p:cNvPr>
@@ -450,7 +450,7 @@
           <a:bodyPr/>
           <a:lstStyle/>
           <a:p>
-            <a:fld id="{BED83CF1-5B95-4759-8777-8181270DE975}" type="datetimeFigureOut">
+            <a:fld id="{D7C07714-2B7B-44F9-85BA-523E17797F00}" type="datetimeFigureOut">
               <a:rPr lang="zh-CN" altLang="en-US" smtClean="0"/>
               <a:t>2024/3/10</a:t>
             </a:fld>
@@ -463,7 +463,7 @@
           <p:cNvPr id="5" name="页脚占位符 4">
             <a:extLst>
               <a:ext uri="{FF2B5EF4-FFF2-40B4-BE49-F238E27FC236}">
-                <a16:creationId xmlns:a16="http://schemas.microsoft.com/office/drawing/2014/main" id="{6817DE4C-D8F0-C26B-3AFD-BA484513B9B5}"/>
+                <a16:creationId xmlns:a16="http://schemas.microsoft.com/office/drawing/2014/main" id="{3B07E7E3-CEEF-04C7-3655-47624F83DA3C}"/>
               </a:ext>
             </a:extLst>
           </p:cNvPr>
@@ -488,7 +488,7 @@
           <p:cNvPr id="6" name="灯片编号占位符 5">
             <a:extLst>
               <a:ext uri="{FF2B5EF4-FFF2-40B4-BE49-F238E27FC236}">
-                <a16:creationId xmlns:a16="http://schemas.microsoft.com/office/drawing/2014/main" id="{0517892A-5BC3-D1C4-3D3A-044A7A80DE33}"/>
+                <a16:creationId xmlns:a16="http://schemas.microsoft.com/office/drawing/2014/main" id="{16DC8D2D-CE34-176E-8AEB-7056DF037DA1}"/>
               </a:ext>
             </a:extLst>
           </p:cNvPr>
@@ -504,7 +504,7 @@
           <a:bodyPr/>
           <a:lstStyle/>
           <a:p>
-            <a:fld id="{7735FCA8-3BE2-435A-B0B1-DCFAF3EEBC38}" type="slidenum">
+            <a:fld id="{0823FFD0-1C2B-4BCF-819E-A232B0BD2678}" type="slidenum">
               <a:rPr lang="zh-CN" altLang="en-US" smtClean="0"/>
               <a:t>‹#›</a:t>
             </a:fld>
@@ -515,7 +515,7 @@
     </p:spTree>
     <p:extLst>
       <p:ext uri="{BB962C8B-B14F-4D97-AF65-F5344CB8AC3E}">
-        <p14:creationId xmlns:p14="http://schemas.microsoft.com/office/powerpoint/2010/main" val="3127791524"/>
+        <p14:creationId xmlns:p14="http://schemas.microsoft.com/office/powerpoint/2010/main" val="3531655821"/>
       </p:ext>
     </p:extLst>
   </p:cSld>
@@ -547,7 +547,7 @@
           <p:cNvPr id="2" name="竖排标题 1">
             <a:extLst>
               <a:ext uri="{FF2B5EF4-FFF2-40B4-BE49-F238E27FC236}">
-                <a16:creationId xmlns:a16="http://schemas.microsoft.com/office/drawing/2014/main" id="{42E6DB55-F931-FFEA-49F1-E8362F02BE85}"/>
+                <a16:creationId xmlns:a16="http://schemas.microsoft.com/office/drawing/2014/main" id="{96D04F1B-28B6-1310-5FBF-ACFA8FB37B9F}"/>
               </a:ext>
             </a:extLst>
           </p:cNvPr>
@@ -580,7 +580,7 @@
           <p:cNvPr id="3" name="竖排文字占位符 2">
             <a:extLst>
               <a:ext uri="{FF2B5EF4-FFF2-40B4-BE49-F238E27FC236}">
-                <a16:creationId xmlns:a16="http://schemas.microsoft.com/office/drawing/2014/main" id="{FEB176BB-0989-E9B3-32FC-2FED54415483}"/>
+                <a16:creationId xmlns:a16="http://schemas.microsoft.com/office/drawing/2014/main" id="{A2B4012F-F505-7882-4E2C-99D98324E184}"/>
               </a:ext>
             </a:extLst>
           </p:cNvPr>
@@ -642,7 +642,7 @@
           <p:cNvPr id="4" name="日期占位符 3">
             <a:extLst>
               <a:ext uri="{FF2B5EF4-FFF2-40B4-BE49-F238E27FC236}">
-                <a16:creationId xmlns:a16="http://schemas.microsoft.com/office/drawing/2014/main" id="{383E1F65-3987-2F0B-7A82-567A1A28B27D}"/>
+                <a16:creationId xmlns:a16="http://schemas.microsoft.com/office/drawing/2014/main" id="{7F5009B7-0324-A668-F9F3-1ECD653425C8}"/>
               </a:ext>
             </a:extLst>
           </p:cNvPr>
@@ -658,7 +658,7 @@
           <a:bodyPr/>
           <a:lstStyle/>
           <a:p>
-            <a:fld id="{BED83CF1-5B95-4759-8777-8181270DE975}" type="datetimeFigureOut">
+            <a:fld id="{D7C07714-2B7B-44F9-85BA-523E17797F00}" type="datetimeFigureOut">
               <a:rPr lang="zh-CN" altLang="en-US" smtClean="0"/>
               <a:t>2024/3/10</a:t>
             </a:fld>
@@ -671,7 +671,7 @@
           <p:cNvPr id="5" name="页脚占位符 4">
             <a:extLst>
               <a:ext uri="{FF2B5EF4-FFF2-40B4-BE49-F238E27FC236}">
-                <a16:creationId xmlns:a16="http://schemas.microsoft.com/office/drawing/2014/main" id="{5A53F349-CE87-0F13-19D0-F3184A2A1551}"/>
+                <a16:creationId xmlns:a16="http://schemas.microsoft.com/office/drawing/2014/main" id="{8DFAD897-FC19-FD80-27FC-097BD7CBFFB3}"/>
               </a:ext>
             </a:extLst>
           </p:cNvPr>
@@ -696,7 +696,7 @@
           <p:cNvPr id="6" name="灯片编号占位符 5">
             <a:extLst>
               <a:ext uri="{FF2B5EF4-FFF2-40B4-BE49-F238E27FC236}">
-                <a16:creationId xmlns:a16="http://schemas.microsoft.com/office/drawing/2014/main" id="{7928DAA9-2AE7-E9A6-DAE6-24E8E35CB811}"/>
+                <a16:creationId xmlns:a16="http://schemas.microsoft.com/office/drawing/2014/main" id="{1D8A1855-9A5D-E746-253A-EA0D354D171B}"/>
               </a:ext>
             </a:extLst>
           </p:cNvPr>
@@ -712,7 +712,7 @@
           <a:bodyPr/>
           <a:lstStyle/>
           <a:p>
-            <a:fld id="{7735FCA8-3BE2-435A-B0B1-DCFAF3EEBC38}" type="slidenum">
+            <a:fld id="{0823FFD0-1C2B-4BCF-819E-A232B0BD2678}" type="slidenum">
               <a:rPr lang="zh-CN" altLang="en-US" smtClean="0"/>
               <a:t>‹#›</a:t>
             </a:fld>
@@ -723,7 +723,7 @@
     </p:spTree>
     <p:extLst>
       <p:ext uri="{BB962C8B-B14F-4D97-AF65-F5344CB8AC3E}">
-        <p14:creationId xmlns:p14="http://schemas.microsoft.com/office/powerpoint/2010/main" val="2872419505"/>
+        <p14:creationId xmlns:p14="http://schemas.microsoft.com/office/powerpoint/2010/main" val="4032383343"/>
       </p:ext>
     </p:extLst>
   </p:cSld>
@@ -755,7 +755,7 @@
           <p:cNvPr id="2" name="标题 1">
             <a:extLst>
               <a:ext uri="{FF2B5EF4-FFF2-40B4-BE49-F238E27FC236}">
-                <a16:creationId xmlns:a16="http://schemas.microsoft.com/office/drawing/2014/main" id="{EAE2AE78-2A27-6F68-FB88-9AB65294C7FD}"/>
+                <a16:creationId xmlns:a16="http://schemas.microsoft.com/office/drawing/2014/main" id="{5138DDB2-7E8D-7B3F-0A80-47AB3F0ED03F}"/>
               </a:ext>
             </a:extLst>
           </p:cNvPr>
@@ -783,7 +783,7 @@
           <p:cNvPr id="3" name="内容占位符 2">
             <a:extLst>
               <a:ext uri="{FF2B5EF4-FFF2-40B4-BE49-F238E27FC236}">
-                <a16:creationId xmlns:a16="http://schemas.microsoft.com/office/drawing/2014/main" id="{2448717D-FD1A-F8EB-0762-75F1780353D7}"/>
+                <a16:creationId xmlns:a16="http://schemas.microsoft.com/office/drawing/2014/main" id="{9E6C9EAA-7273-2B53-36C1-7CB7D04637E0}"/>
               </a:ext>
             </a:extLst>
           </p:cNvPr>
@@ -840,7 +840,7 @@
           <p:cNvPr id="4" name="日期占位符 3">
             <a:extLst>
               <a:ext uri="{FF2B5EF4-FFF2-40B4-BE49-F238E27FC236}">
-                <a16:creationId xmlns:a16="http://schemas.microsoft.com/office/drawing/2014/main" id="{1BCE09D5-5170-BF80-23E7-4B4DCA3ED793}"/>
+                <a16:creationId xmlns:a16="http://schemas.microsoft.com/office/drawing/2014/main" id="{E0C5EBBF-BD69-9050-D325-EA20D748ABF9}"/>
               </a:ext>
             </a:extLst>
           </p:cNvPr>
@@ -856,7 +856,7 @@
           <a:bodyPr/>
           <a:lstStyle/>
           <a:p>
-            <a:fld id="{BED83CF1-5B95-4759-8777-8181270DE975}" type="datetimeFigureOut">
+            <a:fld id="{D7C07714-2B7B-44F9-85BA-523E17797F00}" type="datetimeFigureOut">
               <a:rPr lang="zh-CN" altLang="en-US" smtClean="0"/>
               <a:t>2024/3/10</a:t>
             </a:fld>
@@ -869,7 +869,7 @@
           <p:cNvPr id="5" name="页脚占位符 4">
             <a:extLst>
               <a:ext uri="{FF2B5EF4-FFF2-40B4-BE49-F238E27FC236}">
-                <a16:creationId xmlns:a16="http://schemas.microsoft.com/office/drawing/2014/main" id="{E9BEBB02-9839-2254-F7BD-4162F961E61C}"/>
+                <a16:creationId xmlns:a16="http://schemas.microsoft.com/office/drawing/2014/main" id="{2B155C36-0C37-88B0-2384-CD3A739D9305}"/>
               </a:ext>
             </a:extLst>
           </p:cNvPr>
@@ -894,7 +894,7 @@
           <p:cNvPr id="6" name="灯片编号占位符 5">
             <a:extLst>
               <a:ext uri="{FF2B5EF4-FFF2-40B4-BE49-F238E27FC236}">
-                <a16:creationId xmlns:a16="http://schemas.microsoft.com/office/drawing/2014/main" id="{EE2C176E-0650-5214-4CA0-80C0741316B2}"/>
+                <a16:creationId xmlns:a16="http://schemas.microsoft.com/office/drawing/2014/main" id="{05D9E93C-6CBC-5B92-077F-BB51A01D9A94}"/>
               </a:ext>
             </a:extLst>
           </p:cNvPr>
@@ -910,7 +910,7 @@
           <a:bodyPr/>
           <a:lstStyle/>
           <a:p>
-            <a:fld id="{7735FCA8-3BE2-435A-B0B1-DCFAF3EEBC38}" type="slidenum">
+            <a:fld id="{0823FFD0-1C2B-4BCF-819E-A232B0BD2678}" type="slidenum">
               <a:rPr lang="zh-CN" altLang="en-US" smtClean="0"/>
               <a:t>‹#›</a:t>
             </a:fld>
@@ -921,7 +921,7 @@
     </p:spTree>
     <p:extLst>
       <p:ext uri="{BB962C8B-B14F-4D97-AF65-F5344CB8AC3E}">
-        <p14:creationId xmlns:p14="http://schemas.microsoft.com/office/powerpoint/2010/main" val="2560631415"/>
+        <p14:creationId xmlns:p14="http://schemas.microsoft.com/office/powerpoint/2010/main" val="1633880486"/>
       </p:ext>
     </p:extLst>
   </p:cSld>
@@ -953,7 +953,7 @@
           <p:cNvPr id="2" name="标题 1">
             <a:extLst>
               <a:ext uri="{FF2B5EF4-FFF2-40B4-BE49-F238E27FC236}">
-                <a16:creationId xmlns:a16="http://schemas.microsoft.com/office/drawing/2014/main" id="{D314328E-07AD-3E84-90B1-6BC895B79F1E}"/>
+                <a16:creationId xmlns:a16="http://schemas.microsoft.com/office/drawing/2014/main" id="{185ED76E-7E1F-1103-12BC-36FD9D1C8974}"/>
               </a:ext>
             </a:extLst>
           </p:cNvPr>
@@ -990,7 +990,7 @@
           <p:cNvPr id="3" name="文本占位符 2">
             <a:extLst>
               <a:ext uri="{FF2B5EF4-FFF2-40B4-BE49-F238E27FC236}">
-                <a16:creationId xmlns:a16="http://schemas.microsoft.com/office/drawing/2014/main" id="{2A2B7972-9CA6-4BD1-694D-B3E151783ACE}"/>
+                <a16:creationId xmlns:a16="http://schemas.microsoft.com/office/drawing/2014/main" id="{733425B0-E169-C49C-B161-87C0C9345E12}"/>
               </a:ext>
             </a:extLst>
           </p:cNvPr>
@@ -1115,7 +1115,7 @@
           <p:cNvPr id="4" name="日期占位符 3">
             <a:extLst>
               <a:ext uri="{FF2B5EF4-FFF2-40B4-BE49-F238E27FC236}">
-                <a16:creationId xmlns:a16="http://schemas.microsoft.com/office/drawing/2014/main" id="{795439C5-99A2-1A78-8D6D-BD0FFF949233}"/>
+                <a16:creationId xmlns:a16="http://schemas.microsoft.com/office/drawing/2014/main" id="{4A8929A1-8EF2-A322-59D3-639A4A7D781E}"/>
               </a:ext>
             </a:extLst>
           </p:cNvPr>
@@ -1131,7 +1131,7 @@
           <a:bodyPr/>
           <a:lstStyle/>
           <a:p>
-            <a:fld id="{BED83CF1-5B95-4759-8777-8181270DE975}" type="datetimeFigureOut">
+            <a:fld id="{D7C07714-2B7B-44F9-85BA-523E17797F00}" type="datetimeFigureOut">
               <a:rPr lang="zh-CN" altLang="en-US" smtClean="0"/>
               <a:t>2024/3/10</a:t>
             </a:fld>
@@ -1144,7 +1144,7 @@
           <p:cNvPr id="5" name="页脚占位符 4">
             <a:extLst>
               <a:ext uri="{FF2B5EF4-FFF2-40B4-BE49-F238E27FC236}">
-                <a16:creationId xmlns:a16="http://schemas.microsoft.com/office/drawing/2014/main" id="{3E35C3B4-8B3E-4DC3-4296-C9BEDBDDFF5E}"/>
+                <a16:creationId xmlns:a16="http://schemas.microsoft.com/office/drawing/2014/main" id="{E51D2682-4777-508F-BF60-16FA2C4C4049}"/>
               </a:ext>
             </a:extLst>
           </p:cNvPr>
@@ -1169,7 +1169,7 @@
           <p:cNvPr id="6" name="灯片编号占位符 5">
             <a:extLst>
               <a:ext uri="{FF2B5EF4-FFF2-40B4-BE49-F238E27FC236}">
-                <a16:creationId xmlns:a16="http://schemas.microsoft.com/office/drawing/2014/main" id="{8B233275-2601-69CC-A951-65833A323B09}"/>
+                <a16:creationId xmlns:a16="http://schemas.microsoft.com/office/drawing/2014/main" id="{88340A17-712A-C19A-5D87-01D579A8C8AF}"/>
               </a:ext>
             </a:extLst>
           </p:cNvPr>
@@ -1185,7 +1185,7 @@
           <a:bodyPr/>
           <a:lstStyle/>
           <a:p>
-            <a:fld id="{7735FCA8-3BE2-435A-B0B1-DCFAF3EEBC38}" type="slidenum">
+            <a:fld id="{0823FFD0-1C2B-4BCF-819E-A232B0BD2678}" type="slidenum">
               <a:rPr lang="zh-CN" altLang="en-US" smtClean="0"/>
               <a:t>‹#›</a:t>
             </a:fld>
@@ -1196,7 +1196,7 @@
     </p:spTree>
     <p:extLst>
       <p:ext uri="{BB962C8B-B14F-4D97-AF65-F5344CB8AC3E}">
-        <p14:creationId xmlns:p14="http://schemas.microsoft.com/office/powerpoint/2010/main" val="2301512937"/>
+        <p14:creationId xmlns:p14="http://schemas.microsoft.com/office/powerpoint/2010/main" val="455114334"/>
       </p:ext>
     </p:extLst>
   </p:cSld>
@@ -1228,7 +1228,7 @@
           <p:cNvPr id="2" name="标题 1">
             <a:extLst>
               <a:ext uri="{FF2B5EF4-FFF2-40B4-BE49-F238E27FC236}">
-                <a16:creationId xmlns:a16="http://schemas.microsoft.com/office/drawing/2014/main" id="{E3F921AF-779C-A8F4-BB77-4202BC18CB56}"/>
+                <a16:creationId xmlns:a16="http://schemas.microsoft.com/office/drawing/2014/main" id="{3A0022C6-ECF5-C10F-69B0-69FBEE0320F7}"/>
               </a:ext>
             </a:extLst>
           </p:cNvPr>
@@ -1256,7 +1256,7 @@
           <p:cNvPr id="3" name="内容占位符 2">
             <a:extLst>
               <a:ext uri="{FF2B5EF4-FFF2-40B4-BE49-F238E27FC236}">
-                <a16:creationId xmlns:a16="http://schemas.microsoft.com/office/drawing/2014/main" id="{ABDBAE00-98CC-AC2B-3CC2-1A2D5DF82602}"/>
+                <a16:creationId xmlns:a16="http://schemas.microsoft.com/office/drawing/2014/main" id="{B2556241-FD1F-AC1B-CACD-510466B2122E}"/>
               </a:ext>
             </a:extLst>
           </p:cNvPr>
@@ -1318,7 +1318,7 @@
           <p:cNvPr id="4" name="内容占位符 3">
             <a:extLst>
               <a:ext uri="{FF2B5EF4-FFF2-40B4-BE49-F238E27FC236}">
-                <a16:creationId xmlns:a16="http://schemas.microsoft.com/office/drawing/2014/main" id="{6B21500D-2740-672F-52A3-67A97F7D92AD}"/>
+                <a16:creationId xmlns:a16="http://schemas.microsoft.com/office/drawing/2014/main" id="{ABD88E6C-5688-2D5A-2940-CD481AB8D401}"/>
               </a:ext>
             </a:extLst>
           </p:cNvPr>
@@ -1380,7 +1380,7 @@
           <p:cNvPr id="5" name="日期占位符 4">
             <a:extLst>
               <a:ext uri="{FF2B5EF4-FFF2-40B4-BE49-F238E27FC236}">
-                <a16:creationId xmlns:a16="http://schemas.microsoft.com/office/drawing/2014/main" id="{C6745EF0-A1D1-1763-7058-0032F74C43B3}"/>
+                <a16:creationId xmlns:a16="http://schemas.microsoft.com/office/drawing/2014/main" id="{ED3C2CE6-6CC1-C8FE-418F-5DF6BE3697D7}"/>
               </a:ext>
             </a:extLst>
           </p:cNvPr>
@@ -1396,7 +1396,7 @@
           <a:bodyPr/>
           <a:lstStyle/>
           <a:p>
-            <a:fld id="{BED83CF1-5B95-4759-8777-8181270DE975}" type="datetimeFigureOut">
+            <a:fld id="{D7C07714-2B7B-44F9-85BA-523E17797F00}" type="datetimeFigureOut">
               <a:rPr lang="zh-CN" altLang="en-US" smtClean="0"/>
               <a:t>2024/3/10</a:t>
             </a:fld>
@@ -1409,7 +1409,7 @@
           <p:cNvPr id="6" name="页脚占位符 5">
             <a:extLst>
               <a:ext uri="{FF2B5EF4-FFF2-40B4-BE49-F238E27FC236}">
-                <a16:creationId xmlns:a16="http://schemas.microsoft.com/office/drawing/2014/main" id="{07CAED76-45CA-3EFD-C86C-9DB5025FB69B}"/>
+                <a16:creationId xmlns:a16="http://schemas.microsoft.com/office/drawing/2014/main" id="{60EABA29-826C-470F-F8B3-4D61B79B6C7C}"/>
               </a:ext>
             </a:extLst>
           </p:cNvPr>
@@ -1434,7 +1434,7 @@
           <p:cNvPr id="7" name="灯片编号占位符 6">
             <a:extLst>
               <a:ext uri="{FF2B5EF4-FFF2-40B4-BE49-F238E27FC236}">
-                <a16:creationId xmlns:a16="http://schemas.microsoft.com/office/drawing/2014/main" id="{9A6E933D-CAF7-574B-AAFC-5CBE216C95C7}"/>
+                <a16:creationId xmlns:a16="http://schemas.microsoft.com/office/drawing/2014/main" id="{C115E343-9C7A-651C-6F6B-E85E92FF499F}"/>
               </a:ext>
             </a:extLst>
           </p:cNvPr>
@@ -1450,7 +1450,7 @@
           <a:bodyPr/>
           <a:lstStyle/>
           <a:p>
-            <a:fld id="{7735FCA8-3BE2-435A-B0B1-DCFAF3EEBC38}" type="slidenum">
+            <a:fld id="{0823FFD0-1C2B-4BCF-819E-A232B0BD2678}" type="slidenum">
               <a:rPr lang="zh-CN" altLang="en-US" smtClean="0"/>
               <a:t>‹#›</a:t>
             </a:fld>
@@ -1461,7 +1461,7 @@
     </p:spTree>
     <p:extLst>
       <p:ext uri="{BB962C8B-B14F-4D97-AF65-F5344CB8AC3E}">
-        <p14:creationId xmlns:p14="http://schemas.microsoft.com/office/powerpoint/2010/main" val="3996302888"/>
+        <p14:creationId xmlns:p14="http://schemas.microsoft.com/office/powerpoint/2010/main" val="2761131828"/>
       </p:ext>
     </p:extLst>
   </p:cSld>
@@ -1493,7 +1493,7 @@
           <p:cNvPr id="2" name="标题 1">
             <a:extLst>
               <a:ext uri="{FF2B5EF4-FFF2-40B4-BE49-F238E27FC236}">
-                <a16:creationId xmlns:a16="http://schemas.microsoft.com/office/drawing/2014/main" id="{D0E5A65C-E583-2C30-67D9-018D1E008F6F}"/>
+                <a16:creationId xmlns:a16="http://schemas.microsoft.com/office/drawing/2014/main" id="{13042F5D-A91D-1D02-0A87-A287381A3A17}"/>
               </a:ext>
             </a:extLst>
           </p:cNvPr>
@@ -1526,7 +1526,7 @@
           <p:cNvPr id="3" name="文本占位符 2">
             <a:extLst>
               <a:ext uri="{FF2B5EF4-FFF2-40B4-BE49-F238E27FC236}">
-                <a16:creationId xmlns:a16="http://schemas.microsoft.com/office/drawing/2014/main" id="{FCE57151-E9F7-E6A4-9030-3D480A3A6481}"/>
+                <a16:creationId xmlns:a16="http://schemas.microsoft.com/office/drawing/2014/main" id="{074C97A6-DA1B-15C2-DFD3-335C08D2AB20}"/>
               </a:ext>
             </a:extLst>
           </p:cNvPr>
@@ -1597,7 +1597,7 @@
           <p:cNvPr id="4" name="内容占位符 3">
             <a:extLst>
               <a:ext uri="{FF2B5EF4-FFF2-40B4-BE49-F238E27FC236}">
-                <a16:creationId xmlns:a16="http://schemas.microsoft.com/office/drawing/2014/main" id="{BCADA97A-A757-D851-EC75-B8D48C7C8773}"/>
+                <a16:creationId xmlns:a16="http://schemas.microsoft.com/office/drawing/2014/main" id="{D905AFCA-8E44-5F7D-3619-FF4DD40F9E05}"/>
               </a:ext>
             </a:extLst>
           </p:cNvPr>
@@ -1659,7 +1659,7 @@
           <p:cNvPr id="5" name="文本占位符 4">
             <a:extLst>
               <a:ext uri="{FF2B5EF4-FFF2-40B4-BE49-F238E27FC236}">
-                <a16:creationId xmlns:a16="http://schemas.microsoft.com/office/drawing/2014/main" id="{97897DAC-81AC-FC7C-D17B-E40257B1374E}"/>
+                <a16:creationId xmlns:a16="http://schemas.microsoft.com/office/drawing/2014/main" id="{7ADF6455-9D19-EE3E-0073-B3200699E164}"/>
               </a:ext>
             </a:extLst>
           </p:cNvPr>
@@ -1730,7 +1730,7 @@
           <p:cNvPr id="6" name="内容占位符 5">
             <a:extLst>
               <a:ext uri="{FF2B5EF4-FFF2-40B4-BE49-F238E27FC236}">
-                <a16:creationId xmlns:a16="http://schemas.microsoft.com/office/drawing/2014/main" id="{91D81964-6623-6626-93CA-8C400F7D46AA}"/>
+                <a16:creationId xmlns:a16="http://schemas.microsoft.com/office/drawing/2014/main" id="{44861763-5672-58DB-3EA6-C7AEC390DF78}"/>
               </a:ext>
             </a:extLst>
           </p:cNvPr>
@@ -1792,7 +1792,7 @@
           <p:cNvPr id="7" name="日期占位符 6">
             <a:extLst>
               <a:ext uri="{FF2B5EF4-FFF2-40B4-BE49-F238E27FC236}">
-                <a16:creationId xmlns:a16="http://schemas.microsoft.com/office/drawing/2014/main" id="{83EC92FB-0C06-57FB-40C3-13054E147ED9}"/>
+                <a16:creationId xmlns:a16="http://schemas.microsoft.com/office/drawing/2014/main" id="{3FE90A6E-D9A8-C8BB-F324-E611F7208572}"/>
               </a:ext>
             </a:extLst>
           </p:cNvPr>
@@ -1808,7 +1808,7 @@
           <a:bodyPr/>
           <a:lstStyle/>
           <a:p>
-            <a:fld id="{BED83CF1-5B95-4759-8777-8181270DE975}" type="datetimeFigureOut">
+            <a:fld id="{D7C07714-2B7B-44F9-85BA-523E17797F00}" type="datetimeFigureOut">
               <a:rPr lang="zh-CN" altLang="en-US" smtClean="0"/>
               <a:t>2024/3/10</a:t>
             </a:fld>
@@ -1821,7 +1821,7 @@
           <p:cNvPr id="8" name="页脚占位符 7">
             <a:extLst>
               <a:ext uri="{FF2B5EF4-FFF2-40B4-BE49-F238E27FC236}">
-                <a16:creationId xmlns:a16="http://schemas.microsoft.com/office/drawing/2014/main" id="{E527096C-FD3E-B897-7476-6423E5B564D6}"/>
+                <a16:creationId xmlns:a16="http://schemas.microsoft.com/office/drawing/2014/main" id="{1CFD32F2-4455-6239-4366-4A8C6E6D710B}"/>
               </a:ext>
             </a:extLst>
           </p:cNvPr>
@@ -1846,7 +1846,7 @@
           <p:cNvPr id="9" name="灯片编号占位符 8">
             <a:extLst>
               <a:ext uri="{FF2B5EF4-FFF2-40B4-BE49-F238E27FC236}">
-                <a16:creationId xmlns:a16="http://schemas.microsoft.com/office/drawing/2014/main" id="{68C5264E-6D7B-16BD-372B-D3D6239EF00E}"/>
+                <a16:creationId xmlns:a16="http://schemas.microsoft.com/office/drawing/2014/main" id="{0AF0D5A9-FC98-035F-C2CD-7CBFEEACC028}"/>
               </a:ext>
             </a:extLst>
           </p:cNvPr>
@@ -1862,7 +1862,7 @@
           <a:bodyPr/>
           <a:lstStyle/>
           <a:p>
-            <a:fld id="{7735FCA8-3BE2-435A-B0B1-DCFAF3EEBC38}" type="slidenum">
+            <a:fld id="{0823FFD0-1C2B-4BCF-819E-A232B0BD2678}" type="slidenum">
               <a:rPr lang="zh-CN" altLang="en-US" smtClean="0"/>
               <a:t>‹#›</a:t>
             </a:fld>
@@ -1873,7 +1873,7 @@
     </p:spTree>
     <p:extLst>
       <p:ext uri="{BB962C8B-B14F-4D97-AF65-F5344CB8AC3E}">
-        <p14:creationId xmlns:p14="http://schemas.microsoft.com/office/powerpoint/2010/main" val="4079257682"/>
+        <p14:creationId xmlns:p14="http://schemas.microsoft.com/office/powerpoint/2010/main" val="2254605333"/>
       </p:ext>
     </p:extLst>
   </p:cSld>
@@ -1905,7 +1905,7 @@
           <p:cNvPr id="2" name="标题 1">
             <a:extLst>
               <a:ext uri="{FF2B5EF4-FFF2-40B4-BE49-F238E27FC236}">
-                <a16:creationId xmlns:a16="http://schemas.microsoft.com/office/drawing/2014/main" id="{C5CF9388-6F75-69AF-A5C8-7AF790A4C5C6}"/>
+                <a16:creationId xmlns:a16="http://schemas.microsoft.com/office/drawing/2014/main" id="{2DAE7967-53FB-FFFD-5EA5-22F3E8D82FC3}"/>
               </a:ext>
             </a:extLst>
           </p:cNvPr>
@@ -1933,7 +1933,7 @@
           <p:cNvPr id="3" name="日期占位符 2">
             <a:extLst>
               <a:ext uri="{FF2B5EF4-FFF2-40B4-BE49-F238E27FC236}">
-                <a16:creationId xmlns:a16="http://schemas.microsoft.com/office/drawing/2014/main" id="{ED6AFCF8-9DB9-824A-3AD2-6BEB8C313D8F}"/>
+                <a16:creationId xmlns:a16="http://schemas.microsoft.com/office/drawing/2014/main" id="{873E6508-26B9-65CB-0C52-E52193717888}"/>
               </a:ext>
             </a:extLst>
           </p:cNvPr>
@@ -1949,7 +1949,7 @@
           <a:bodyPr/>
           <a:lstStyle/>
           <a:p>
-            <a:fld id="{BED83CF1-5B95-4759-8777-8181270DE975}" type="datetimeFigureOut">
+            <a:fld id="{D7C07714-2B7B-44F9-85BA-523E17797F00}" type="datetimeFigureOut">
               <a:rPr lang="zh-CN" altLang="en-US" smtClean="0"/>
               <a:t>2024/3/10</a:t>
             </a:fld>
@@ -1962,7 +1962,7 @@
           <p:cNvPr id="4" name="页脚占位符 3">
             <a:extLst>
               <a:ext uri="{FF2B5EF4-FFF2-40B4-BE49-F238E27FC236}">
-                <a16:creationId xmlns:a16="http://schemas.microsoft.com/office/drawing/2014/main" id="{B2A8645F-8ECA-3AEB-CF7E-CD2697716DE3}"/>
+                <a16:creationId xmlns:a16="http://schemas.microsoft.com/office/drawing/2014/main" id="{58536194-DADA-EF0A-5645-A9055B95902E}"/>
               </a:ext>
             </a:extLst>
           </p:cNvPr>
@@ -1987,7 +1987,7 @@
           <p:cNvPr id="5" name="灯片编号占位符 4">
             <a:extLst>
               <a:ext uri="{FF2B5EF4-FFF2-40B4-BE49-F238E27FC236}">
-                <a16:creationId xmlns:a16="http://schemas.microsoft.com/office/drawing/2014/main" id="{52C83117-3C51-EBA1-180C-1EDA29240F7A}"/>
+                <a16:creationId xmlns:a16="http://schemas.microsoft.com/office/drawing/2014/main" id="{E37F4869-0EA4-880F-AF43-66A11B6545D3}"/>
               </a:ext>
             </a:extLst>
           </p:cNvPr>
@@ -2003,7 +2003,7 @@
           <a:bodyPr/>
           <a:lstStyle/>
           <a:p>
-            <a:fld id="{7735FCA8-3BE2-435A-B0B1-DCFAF3EEBC38}" type="slidenum">
+            <a:fld id="{0823FFD0-1C2B-4BCF-819E-A232B0BD2678}" type="slidenum">
               <a:rPr lang="zh-CN" altLang="en-US" smtClean="0"/>
               <a:t>‹#›</a:t>
             </a:fld>
@@ -2014,7 +2014,7 @@
     </p:spTree>
     <p:extLst>
       <p:ext uri="{BB962C8B-B14F-4D97-AF65-F5344CB8AC3E}">
-        <p14:creationId xmlns:p14="http://schemas.microsoft.com/office/powerpoint/2010/main" val="594350968"/>
+        <p14:creationId xmlns:p14="http://schemas.microsoft.com/office/powerpoint/2010/main" val="2205791208"/>
       </p:ext>
     </p:extLst>
   </p:cSld>
@@ -2046,7 +2046,7 @@
           <p:cNvPr id="2" name="日期占位符 1">
             <a:extLst>
               <a:ext uri="{FF2B5EF4-FFF2-40B4-BE49-F238E27FC236}">
-                <a16:creationId xmlns:a16="http://schemas.microsoft.com/office/drawing/2014/main" id="{21CBDA3C-B218-2E7F-D9C1-79B9D7EE47C8}"/>
+                <a16:creationId xmlns:a16="http://schemas.microsoft.com/office/drawing/2014/main" id="{3649759B-FE7E-53C3-4380-80963351A479}"/>
               </a:ext>
             </a:extLst>
           </p:cNvPr>
@@ -2062,7 +2062,7 @@
           <a:bodyPr/>
           <a:lstStyle/>
           <a:p>
-            <a:fld id="{BED83CF1-5B95-4759-8777-8181270DE975}" type="datetimeFigureOut">
+            <a:fld id="{D7C07714-2B7B-44F9-85BA-523E17797F00}" type="datetimeFigureOut">
               <a:rPr lang="zh-CN" altLang="en-US" smtClean="0"/>
               <a:t>2024/3/10</a:t>
             </a:fld>
@@ -2075,7 +2075,7 @@
           <p:cNvPr id="3" name="页脚占位符 2">
             <a:extLst>
               <a:ext uri="{FF2B5EF4-FFF2-40B4-BE49-F238E27FC236}">
-                <a16:creationId xmlns:a16="http://schemas.microsoft.com/office/drawing/2014/main" id="{9BB9C908-85E5-79E2-986C-94B10355EEC5}"/>
+                <a16:creationId xmlns:a16="http://schemas.microsoft.com/office/drawing/2014/main" id="{61DB1989-19F9-7234-3452-13732182DC02}"/>
               </a:ext>
             </a:extLst>
           </p:cNvPr>
@@ -2100,7 +2100,7 @@
           <p:cNvPr id="4" name="灯片编号占位符 3">
             <a:extLst>
               <a:ext uri="{FF2B5EF4-FFF2-40B4-BE49-F238E27FC236}">
-                <a16:creationId xmlns:a16="http://schemas.microsoft.com/office/drawing/2014/main" id="{6D05E5B5-BB0A-B6E7-0627-EEC8D7C7EE8E}"/>
+                <a16:creationId xmlns:a16="http://schemas.microsoft.com/office/drawing/2014/main" id="{55F0EBE2-B915-B129-FD7F-1B3866A9A1F2}"/>
               </a:ext>
             </a:extLst>
           </p:cNvPr>
@@ -2116,7 +2116,7 @@
           <a:bodyPr/>
           <a:lstStyle/>
           <a:p>
-            <a:fld id="{7735FCA8-3BE2-435A-B0B1-DCFAF3EEBC38}" type="slidenum">
+            <a:fld id="{0823FFD0-1C2B-4BCF-819E-A232B0BD2678}" type="slidenum">
               <a:rPr lang="zh-CN" altLang="en-US" smtClean="0"/>
               <a:t>‹#›</a:t>
             </a:fld>
@@ -2127,7 +2127,7 @@
     </p:spTree>
     <p:extLst>
       <p:ext uri="{BB962C8B-B14F-4D97-AF65-F5344CB8AC3E}">
-        <p14:creationId xmlns:p14="http://schemas.microsoft.com/office/powerpoint/2010/main" val="1887173042"/>
+        <p14:creationId xmlns:p14="http://schemas.microsoft.com/office/powerpoint/2010/main" val="4140083975"/>
       </p:ext>
     </p:extLst>
   </p:cSld>
@@ -2159,7 +2159,7 @@
           <p:cNvPr id="2" name="标题 1">
             <a:extLst>
               <a:ext uri="{FF2B5EF4-FFF2-40B4-BE49-F238E27FC236}">
-                <a16:creationId xmlns:a16="http://schemas.microsoft.com/office/drawing/2014/main" id="{A588D25C-CCB8-D511-CF3C-5258C83B8FEE}"/>
+                <a16:creationId xmlns:a16="http://schemas.microsoft.com/office/drawing/2014/main" id="{22F92D31-A16C-7DAC-7276-D30D5F5C4F78}"/>
               </a:ext>
             </a:extLst>
           </p:cNvPr>
@@ -2196,7 +2196,7 @@
           <p:cNvPr id="3" name="内容占位符 2">
             <a:extLst>
               <a:ext uri="{FF2B5EF4-FFF2-40B4-BE49-F238E27FC236}">
-                <a16:creationId xmlns:a16="http://schemas.microsoft.com/office/drawing/2014/main" id="{B072911D-449D-5329-4049-E43DAE4035D3}"/>
+                <a16:creationId xmlns:a16="http://schemas.microsoft.com/office/drawing/2014/main" id="{7873B2BE-0352-0C7F-455A-6FD8479387A0}"/>
               </a:ext>
             </a:extLst>
           </p:cNvPr>
@@ -2286,7 +2286,7 @@
           <p:cNvPr id="4" name="文本占位符 3">
             <a:extLst>
               <a:ext uri="{FF2B5EF4-FFF2-40B4-BE49-F238E27FC236}">
-                <a16:creationId xmlns:a16="http://schemas.microsoft.com/office/drawing/2014/main" id="{632D62EE-A3D2-B047-5334-52242354850F}"/>
+                <a16:creationId xmlns:a16="http://schemas.microsoft.com/office/drawing/2014/main" id="{75A5BE69-8368-2024-CBB5-58A2255BF9EC}"/>
               </a:ext>
             </a:extLst>
           </p:cNvPr>
@@ -2357,7 +2357,7 @@
           <p:cNvPr id="5" name="日期占位符 4">
             <a:extLst>
               <a:ext uri="{FF2B5EF4-FFF2-40B4-BE49-F238E27FC236}">
-                <a16:creationId xmlns:a16="http://schemas.microsoft.com/office/drawing/2014/main" id="{4B7CDAA4-8EE6-738B-57F0-B248C40F6B52}"/>
+                <a16:creationId xmlns:a16="http://schemas.microsoft.com/office/drawing/2014/main" id="{819C4C6C-D631-03B8-A5C7-85120696DDCF}"/>
               </a:ext>
             </a:extLst>
           </p:cNvPr>
@@ -2373,7 +2373,7 @@
           <a:bodyPr/>
           <a:lstStyle/>
           <a:p>
-            <a:fld id="{BED83CF1-5B95-4759-8777-8181270DE975}" type="datetimeFigureOut">
+            <a:fld id="{D7C07714-2B7B-44F9-85BA-523E17797F00}" type="datetimeFigureOut">
               <a:rPr lang="zh-CN" altLang="en-US" smtClean="0"/>
               <a:t>2024/3/10</a:t>
             </a:fld>
@@ -2386,7 +2386,7 @@
           <p:cNvPr id="6" name="页脚占位符 5">
             <a:extLst>
               <a:ext uri="{FF2B5EF4-FFF2-40B4-BE49-F238E27FC236}">
-                <a16:creationId xmlns:a16="http://schemas.microsoft.com/office/drawing/2014/main" id="{818535C8-D5A5-4725-9CC3-C0832A48CBAF}"/>
+                <a16:creationId xmlns:a16="http://schemas.microsoft.com/office/drawing/2014/main" id="{20B46CCA-6375-9757-0853-A05976D7E0BA}"/>
               </a:ext>
             </a:extLst>
           </p:cNvPr>
@@ -2411,7 +2411,7 @@
           <p:cNvPr id="7" name="灯片编号占位符 6">
             <a:extLst>
               <a:ext uri="{FF2B5EF4-FFF2-40B4-BE49-F238E27FC236}">
-                <a16:creationId xmlns:a16="http://schemas.microsoft.com/office/drawing/2014/main" id="{ED5F14BB-DA6F-879D-4C4D-2EC88AC47778}"/>
+                <a16:creationId xmlns:a16="http://schemas.microsoft.com/office/drawing/2014/main" id="{B59199C7-F3E3-E153-B8F8-104D03B95A05}"/>
               </a:ext>
             </a:extLst>
           </p:cNvPr>
@@ -2427,7 +2427,7 @@
           <a:bodyPr/>
           <a:lstStyle/>
           <a:p>
-            <a:fld id="{7735FCA8-3BE2-435A-B0B1-DCFAF3EEBC38}" type="slidenum">
+            <a:fld id="{0823FFD0-1C2B-4BCF-819E-A232B0BD2678}" type="slidenum">
               <a:rPr lang="zh-CN" altLang="en-US" smtClean="0"/>
               <a:t>‹#›</a:t>
             </a:fld>
@@ -2438,7 +2438,7 @@
     </p:spTree>
     <p:extLst>
       <p:ext uri="{BB962C8B-B14F-4D97-AF65-F5344CB8AC3E}">
-        <p14:creationId xmlns:p14="http://schemas.microsoft.com/office/powerpoint/2010/main" val="2088623804"/>
+        <p14:creationId xmlns:p14="http://schemas.microsoft.com/office/powerpoint/2010/main" val="658610112"/>
       </p:ext>
     </p:extLst>
   </p:cSld>
@@ -2470,7 +2470,7 @@
           <p:cNvPr id="2" name="标题 1">
             <a:extLst>
               <a:ext uri="{FF2B5EF4-FFF2-40B4-BE49-F238E27FC236}">
-                <a16:creationId xmlns:a16="http://schemas.microsoft.com/office/drawing/2014/main" id="{98CAB4D2-4CDF-A2E7-652E-84391E0C45E1}"/>
+                <a16:creationId xmlns:a16="http://schemas.microsoft.com/office/drawing/2014/main" id="{37EAC66F-CF40-D7B9-858D-4A2B6E53297A}"/>
               </a:ext>
             </a:extLst>
           </p:cNvPr>
@@ -2507,7 +2507,7 @@
           <p:cNvPr id="3" name="图片占位符 2">
             <a:extLst>
               <a:ext uri="{FF2B5EF4-FFF2-40B4-BE49-F238E27FC236}">
-                <a16:creationId xmlns:a16="http://schemas.microsoft.com/office/drawing/2014/main" id="{9DACDA1A-959F-0C0B-8F94-74AE39E9B38E}"/>
+                <a16:creationId xmlns:a16="http://schemas.microsoft.com/office/drawing/2014/main" id="{35E65C71-3079-A32A-97F2-0BF8C9A19338}"/>
               </a:ext>
             </a:extLst>
           </p:cNvPr>
@@ -2574,7 +2574,7 @@
           <p:cNvPr id="4" name="文本占位符 3">
             <a:extLst>
               <a:ext uri="{FF2B5EF4-FFF2-40B4-BE49-F238E27FC236}">
-                <a16:creationId xmlns:a16="http://schemas.microsoft.com/office/drawing/2014/main" id="{F649CD29-3482-4E3B-D7E1-986B66567905}"/>
+                <a16:creationId xmlns:a16="http://schemas.microsoft.com/office/drawing/2014/main" id="{1A4636C9-2234-4745-C293-F9849B45C2BF}"/>
               </a:ext>
             </a:extLst>
           </p:cNvPr>
@@ -2645,7 +2645,7 @@
           <p:cNvPr id="5" name="日期占位符 4">
             <a:extLst>
               <a:ext uri="{FF2B5EF4-FFF2-40B4-BE49-F238E27FC236}">
-                <a16:creationId xmlns:a16="http://schemas.microsoft.com/office/drawing/2014/main" id="{638087BA-34C2-8CE6-D128-D42319C5523B}"/>
+                <a16:creationId xmlns:a16="http://schemas.microsoft.com/office/drawing/2014/main" id="{B9A64B27-0410-0FA2-2380-681426B8D9F6}"/>
               </a:ext>
             </a:extLst>
           </p:cNvPr>
@@ -2661,7 +2661,7 @@
           <a:bodyPr/>
           <a:lstStyle/>
           <a:p>
-            <a:fld id="{BED83CF1-5B95-4759-8777-8181270DE975}" type="datetimeFigureOut">
+            <a:fld id="{D7C07714-2B7B-44F9-85BA-523E17797F00}" type="datetimeFigureOut">
               <a:rPr lang="zh-CN" altLang="en-US" smtClean="0"/>
               <a:t>2024/3/10</a:t>
             </a:fld>
@@ -2674,7 +2674,7 @@
           <p:cNvPr id="6" name="页脚占位符 5">
             <a:extLst>
               <a:ext uri="{FF2B5EF4-FFF2-40B4-BE49-F238E27FC236}">
-                <a16:creationId xmlns:a16="http://schemas.microsoft.com/office/drawing/2014/main" id="{C559D2C2-7A89-9EC7-06E4-0E59A52963F0}"/>
+                <a16:creationId xmlns:a16="http://schemas.microsoft.com/office/drawing/2014/main" id="{B3C9501C-A11E-83EA-B21D-6848D8D2E11F}"/>
               </a:ext>
             </a:extLst>
           </p:cNvPr>
@@ -2699,7 +2699,7 @@
           <p:cNvPr id="7" name="灯片编号占位符 6">
             <a:extLst>
               <a:ext uri="{FF2B5EF4-FFF2-40B4-BE49-F238E27FC236}">
-                <a16:creationId xmlns:a16="http://schemas.microsoft.com/office/drawing/2014/main" id="{93FCAC5F-A708-CD51-88E5-1A03F5D00A81}"/>
+                <a16:creationId xmlns:a16="http://schemas.microsoft.com/office/drawing/2014/main" id="{CCCDB7B4-A2D3-F1D7-F8BC-EC1123B9AA72}"/>
               </a:ext>
             </a:extLst>
           </p:cNvPr>
@@ -2715,7 +2715,7 @@
           <a:bodyPr/>
           <a:lstStyle/>
           <a:p>
-            <a:fld id="{7735FCA8-3BE2-435A-B0B1-DCFAF3EEBC38}" type="slidenum">
+            <a:fld id="{0823FFD0-1C2B-4BCF-819E-A232B0BD2678}" type="slidenum">
               <a:rPr lang="zh-CN" altLang="en-US" smtClean="0"/>
               <a:t>‹#›</a:t>
             </a:fld>
@@ -2726,7 +2726,7 @@
     </p:spTree>
     <p:extLst>
       <p:ext uri="{BB962C8B-B14F-4D97-AF65-F5344CB8AC3E}">
-        <p14:creationId xmlns:p14="http://schemas.microsoft.com/office/powerpoint/2010/main" val="3261585720"/>
+        <p14:creationId xmlns:p14="http://schemas.microsoft.com/office/powerpoint/2010/main" val="1893387678"/>
       </p:ext>
     </p:extLst>
   </p:cSld>
@@ -2763,7 +2763,7 @@
           <p:cNvPr id="2" name="标题占位符 1">
             <a:extLst>
               <a:ext uri="{FF2B5EF4-FFF2-40B4-BE49-F238E27FC236}">
-                <a16:creationId xmlns:a16="http://schemas.microsoft.com/office/drawing/2014/main" id="{D355E4D2-83EB-9C9A-F1B0-7F00A91FD2C3}"/>
+                <a16:creationId xmlns:a16="http://schemas.microsoft.com/office/drawing/2014/main" id="{9B3677C8-7075-B89F-0179-FFE215089637}"/>
               </a:ext>
             </a:extLst>
           </p:cNvPr>
@@ -2801,7 +2801,7 @@
           <p:cNvPr id="3" name="文本占位符 2">
             <a:extLst>
               <a:ext uri="{FF2B5EF4-FFF2-40B4-BE49-F238E27FC236}">
-                <a16:creationId xmlns:a16="http://schemas.microsoft.com/office/drawing/2014/main" id="{85D4805E-BA41-3234-5B3F-0AA910C1FE22}"/>
+                <a16:creationId xmlns:a16="http://schemas.microsoft.com/office/drawing/2014/main" id="{2D0309A0-2444-1824-12AD-273089437313}"/>
               </a:ext>
             </a:extLst>
           </p:cNvPr>
@@ -2868,7 +2868,7 @@
           <p:cNvPr id="4" name="日期占位符 3">
             <a:extLst>
               <a:ext uri="{FF2B5EF4-FFF2-40B4-BE49-F238E27FC236}">
-                <a16:creationId xmlns:a16="http://schemas.microsoft.com/office/drawing/2014/main" id="{C664ABA4-AD6E-404A-702C-9B370BABFA7C}"/>
+                <a16:creationId xmlns:a16="http://schemas.microsoft.com/office/drawing/2014/main" id="{E223F37E-2560-322B-FFAB-CBF450E80629}"/>
               </a:ext>
             </a:extLst>
           </p:cNvPr>
@@ -2902,7 +2902,7 @@
             </a:lvl1pPr>
           </a:lstStyle>
           <a:p>
-            <a:fld id="{BED83CF1-5B95-4759-8777-8181270DE975}" type="datetimeFigureOut">
+            <a:fld id="{D7C07714-2B7B-44F9-85BA-523E17797F00}" type="datetimeFigureOut">
               <a:rPr lang="zh-CN" altLang="en-US" smtClean="0"/>
               <a:t>2024/3/10</a:t>
             </a:fld>
@@ -2915,7 +2915,7 @@
           <p:cNvPr id="5" name="页脚占位符 4">
             <a:extLst>
               <a:ext uri="{FF2B5EF4-FFF2-40B4-BE49-F238E27FC236}">
-                <a16:creationId xmlns:a16="http://schemas.microsoft.com/office/drawing/2014/main" id="{24BC9E2A-91C4-E827-1851-A2BFD09C68AF}"/>
+                <a16:creationId xmlns:a16="http://schemas.microsoft.com/office/drawing/2014/main" id="{4E55580E-344F-DAAD-421A-EAB4F09AFF09}"/>
               </a:ext>
             </a:extLst>
           </p:cNvPr>
@@ -2958,7 +2958,7 @@
           <p:cNvPr id="6" name="灯片编号占位符 5">
             <a:extLst>
               <a:ext uri="{FF2B5EF4-FFF2-40B4-BE49-F238E27FC236}">
-                <a16:creationId xmlns:a16="http://schemas.microsoft.com/office/drawing/2014/main" id="{D456AF5B-DCF2-BEC1-A79D-192A63445144}"/>
+                <a16:creationId xmlns:a16="http://schemas.microsoft.com/office/drawing/2014/main" id="{E2C784FD-D728-3509-73AB-843D20F4077C}"/>
               </a:ext>
             </a:extLst>
           </p:cNvPr>
@@ -2992,7 +2992,7 @@
             </a:lvl1pPr>
           </a:lstStyle>
           <a:p>
-            <a:fld id="{7735FCA8-3BE2-435A-B0B1-DCFAF3EEBC38}" type="slidenum">
+            <a:fld id="{0823FFD0-1C2B-4BCF-819E-A232B0BD2678}" type="slidenum">
               <a:rPr lang="zh-CN" altLang="en-US" smtClean="0"/>
               <a:t>‹#›</a:t>
             </a:fld>
@@ -3003,7 +3003,7 @@
     </p:spTree>
     <p:extLst>
       <p:ext uri="{BB962C8B-B14F-4D97-AF65-F5344CB8AC3E}">
-        <p14:creationId xmlns:p14="http://schemas.microsoft.com/office/powerpoint/2010/main" val="3927464872"/>
+        <p14:creationId xmlns:p14="http://schemas.microsoft.com/office/powerpoint/2010/main" val="471290479"/>
       </p:ext>
     </p:extLst>
   </p:cSld>
